--- a/ansible_presentation.pptx
+++ b/ansible_presentation.pptx
@@ -4734,8 +4734,8 @@
         </p:nvSpPr>
         <p:spPr>
           <a:xfrm>
-            <a:off x="952500" y="3797300"/>
-            <a:ext cx="11099800" cy="2159000"/>
+            <a:off x="952500" y="254000"/>
+            <a:ext cx="11099801" cy="2159001"/>
           </a:xfrm>
           <a:prstGeom prst="rect">
             <a:avLst/>
@@ -4773,7 +4773,7 @@
         </p:nvSpPr>
         <p:spPr>
           <a:xfrm>
-            <a:off x="952500" y="4201706"/>
+            <a:off x="952500" y="2996203"/>
             <a:ext cx="11099801" cy="5488394"/>
           </a:xfrm>
           <a:prstGeom prst="rect">
@@ -4815,10 +4815,11 @@
               </a:defRPr>
             </a:pPr>
             <a:r>
-              <a:rPr sz="3800">
-                <a:solidFill>
-                  <a:srgbClr val="FFFFFF"/>
-                </a:solidFill>
+              <a:rPr sz="3800" u="sng">
+                <a:solidFill>
+                  <a:srgbClr val="FFFFFF"/>
+                </a:solidFill>
+                <a:hlinkClick r:id="rId3" invalidUrl="" action="" tgtFrame="" tooltip="" history="1" highlightClick="0" endSnd="0"/>
               </a:rPr>
               <a:t>https://github.com/teeg82/ansible_presentation</a:t>
             </a:r>
@@ -5205,9 +5206,9 @@
           <a:bodyPr/>
           <a:lstStyle/>
           <a:p>
-            <a:pPr lvl="0" marL="324485" indent="-324485" defTabSz="426466">
+            <a:pPr lvl="0" marL="262254" indent="-262254" defTabSz="344677">
               <a:spcBef>
-                <a:spcPts val="3000"/>
+                <a:spcPts val="2400"/>
               </a:spcBef>
               <a:defRPr sz="1800">
                 <a:solidFill>
@@ -5216,23 +5217,23 @@
               </a:defRPr>
             </a:pPr>
             <a:r>
-              <a:rPr sz="2774">
+              <a:rPr sz="2241">
                 <a:solidFill>
                   <a:srgbClr val="FFFFFF"/>
                 </a:solidFill>
               </a:rPr>
               <a:t>Michael DeHaan’s PyCon 2014 youtube presentation:</a:t>
             </a:r>
-            <a:endParaRPr sz="2774">
+            <a:endParaRPr sz="2241">
               <a:solidFill>
                 <a:srgbClr val="FFFFFF"/>
               </a:solidFill>
             </a:endParaRPr>
           </a:p>
           <a:p>
-            <a:pPr lvl="1" marL="648970" indent="-324485" defTabSz="426466">
+            <a:pPr lvl="1" marL="524509" indent="-262254" defTabSz="344677">
               <a:spcBef>
-                <a:spcPts val="3000"/>
+                <a:spcPts val="2400"/>
               </a:spcBef>
               <a:defRPr sz="1800">
                 <a:solidFill>
@@ -5241,7 +5242,7 @@
               </a:defRPr>
             </a:pPr>
             <a:r>
-              <a:rPr sz="2774" u="sng">
+              <a:rPr sz="2241" u="sng">
                 <a:solidFill>
                   <a:srgbClr val="FFFFFF"/>
                 </a:solidFill>
@@ -5249,16 +5250,16 @@
               </a:rPr>
               <a:t>www.youtube.com/watch?v=Qi0AhK7PMCI</a:t>
             </a:r>
-            <a:endParaRPr sz="2774">
+            <a:endParaRPr sz="2241">
               <a:solidFill>
                 <a:srgbClr val="FFFFFF"/>
               </a:solidFill>
             </a:endParaRPr>
           </a:p>
           <a:p>
-            <a:pPr lvl="0" marL="324485" indent="-324485" defTabSz="426466">
+            <a:pPr lvl="0" marL="262254" indent="-262254" defTabSz="344677">
               <a:spcBef>
-                <a:spcPts val="3000"/>
+                <a:spcPts val="2400"/>
               </a:spcBef>
               <a:defRPr sz="1800">
                 <a:solidFill>
@@ -5267,23 +5268,23 @@
               </a:defRPr>
             </a:pPr>
             <a:r>
-              <a:rPr sz="2774">
+              <a:rPr sz="2241">
                 <a:solidFill>
                   <a:srgbClr val="FFFFFF"/>
                 </a:solidFill>
               </a:rPr>
               <a:t>Ansible docs</a:t>
             </a:r>
-            <a:endParaRPr sz="2774">
+            <a:endParaRPr sz="2241">
               <a:solidFill>
                 <a:srgbClr val="FFFFFF"/>
               </a:solidFill>
             </a:endParaRPr>
           </a:p>
           <a:p>
-            <a:pPr lvl="1" marL="648970" indent="-324485" defTabSz="426466">
+            <a:pPr lvl="1" marL="524509" indent="-262254" defTabSz="344677">
               <a:spcBef>
-                <a:spcPts val="3000"/>
+                <a:spcPts val="2400"/>
               </a:spcBef>
               <a:defRPr sz="1800">
                 <a:solidFill>
@@ -5292,7 +5293,7 @@
               </a:defRPr>
             </a:pPr>
             <a:r>
-              <a:rPr sz="2774" u="sng">
+              <a:rPr sz="2241" u="sng">
                 <a:solidFill>
                   <a:srgbClr val="FFFFFF"/>
                 </a:solidFill>
@@ -5300,16 +5301,16 @@
               </a:rPr>
               <a:t>http://docs.ansible.com/</a:t>
             </a:r>
-            <a:endParaRPr sz="2774">
+            <a:endParaRPr sz="2241">
               <a:solidFill>
                 <a:srgbClr val="FFFFFF"/>
               </a:solidFill>
             </a:endParaRPr>
           </a:p>
           <a:p>
-            <a:pPr lvl="0" marL="324485" indent="-324485" defTabSz="426466">
+            <a:pPr lvl="0" marL="262254" indent="-262254" defTabSz="344677">
               <a:spcBef>
-                <a:spcPts val="3000"/>
+                <a:spcPts val="2400"/>
               </a:spcBef>
               <a:defRPr sz="1800">
                 <a:solidFill>
@@ -5318,23 +5319,23 @@
               </a:defRPr>
             </a:pPr>
             <a:r>
-              <a:rPr sz="2774">
+              <a:rPr sz="2241">
                 <a:solidFill>
                   <a:srgbClr val="FFFFFF"/>
                 </a:solidFill>
               </a:rPr>
               <a:t>Ansible django playbook with vagrant</a:t>
             </a:r>
-            <a:endParaRPr sz="2774">
+            <a:endParaRPr sz="2241">
               <a:solidFill>
                 <a:srgbClr val="FFFFFF"/>
               </a:solidFill>
             </a:endParaRPr>
           </a:p>
           <a:p>
-            <a:pPr lvl="1" marL="648970" indent="-324485" defTabSz="426466">
+            <a:pPr lvl="1" marL="524509" indent="-262254" defTabSz="344677">
               <a:spcBef>
-                <a:spcPts val="3000"/>
+                <a:spcPts val="2400"/>
               </a:spcBef>
               <a:defRPr sz="1800">
                 <a:solidFill>
@@ -5343,7 +5344,7 @@
               </a:defRPr>
             </a:pPr>
             <a:r>
-              <a:rPr sz="2774" u="sng">
+              <a:rPr sz="2241" u="sng">
                 <a:solidFill>
                   <a:srgbClr val="FFFFFF"/>
                 </a:solidFill>
@@ -5351,16 +5352,16 @@
               </a:rPr>
               <a:t>https://github.com/jcalazan/ansible-django-stack</a:t>
             </a:r>
-            <a:endParaRPr sz="2774">
+            <a:endParaRPr sz="2241">
               <a:solidFill>
                 <a:srgbClr val="FFFFFF"/>
               </a:solidFill>
             </a:endParaRPr>
           </a:p>
           <a:p>
-            <a:pPr lvl="0" marL="324485" indent="-324485" defTabSz="426466">
+            <a:pPr lvl="0" marL="262254" indent="-262254" defTabSz="344677">
               <a:spcBef>
-                <a:spcPts val="3000"/>
+                <a:spcPts val="2400"/>
               </a:spcBef>
               <a:defRPr sz="1800">
                 <a:solidFill>
@@ -5369,23 +5370,23 @@
               </a:defRPr>
             </a:pPr>
             <a:r>
-              <a:rPr sz="2774">
+              <a:rPr sz="2241">
                 <a:solidFill>
                   <a:srgbClr val="FFFFFF"/>
                 </a:solidFill>
               </a:rPr>
               <a:t>Presentation repo:</a:t>
             </a:r>
-            <a:endParaRPr sz="2774">
+            <a:endParaRPr sz="2241">
               <a:solidFill>
                 <a:srgbClr val="FFFFFF"/>
               </a:solidFill>
             </a:endParaRPr>
           </a:p>
           <a:p>
-            <a:pPr lvl="1" marL="648970" indent="-324485" defTabSz="426466">
+            <a:pPr lvl="1" marL="524509" indent="-262254" defTabSz="344677">
               <a:spcBef>
-                <a:spcPts val="3000"/>
+                <a:spcPts val="2400"/>
               </a:spcBef>
               <a:defRPr sz="1800">
                 <a:solidFill>
@@ -5394,13 +5395,64 @@
               </a:defRPr>
             </a:pPr>
             <a:r>
-              <a:rPr sz="2774" u="sng">
+              <a:rPr sz="2241" u="sng">
                 <a:solidFill>
                   <a:srgbClr val="FFFFFF"/>
                 </a:solidFill>
                 <a:hlinkClick r:id="rId5" invalidUrl="" action="" tgtFrame="" tooltip="" history="1" highlightClick="0" endSnd="0"/>
               </a:rPr>
               <a:t>https://github.com/teeg82/ansible_presentation</a:t>
+            </a:r>
+            <a:endParaRPr sz="2241">
+              <a:solidFill>
+                <a:srgbClr val="FFFFFF"/>
+              </a:solidFill>
+            </a:endParaRPr>
+          </a:p>
+          <a:p>
+            <a:pPr lvl="0" marL="262254" indent="-262254" defTabSz="344677">
+              <a:spcBef>
+                <a:spcPts val="2400"/>
+              </a:spcBef>
+              <a:defRPr sz="1800">
+                <a:solidFill>
+                  <a:srgbClr val="000000"/>
+                </a:solidFill>
+              </a:defRPr>
+            </a:pPr>
+            <a:r>
+              <a:rPr sz="2241">
+                <a:solidFill>
+                  <a:srgbClr val="FFFFFF"/>
+                </a:solidFill>
+              </a:rPr>
+              <a:t>Glen Jarvis Google Hangout tutorial</a:t>
+            </a:r>
+            <a:endParaRPr sz="2241">
+              <a:solidFill>
+                <a:srgbClr val="FFFFFF"/>
+              </a:solidFill>
+            </a:endParaRPr>
+          </a:p>
+          <a:p>
+            <a:pPr lvl="1" marL="524509" indent="-262254" defTabSz="344677">
+              <a:spcBef>
+                <a:spcPts val="2400"/>
+              </a:spcBef>
+              <a:defRPr sz="1800">
+                <a:solidFill>
+                  <a:srgbClr val="000000"/>
+                </a:solidFill>
+              </a:defRPr>
+            </a:pPr>
+            <a:r>
+              <a:rPr sz="2241" u="sng">
+                <a:solidFill>
+                  <a:srgbClr val="FFFFFF"/>
+                </a:solidFill>
+                <a:hlinkClick r:id="rId6" invalidUrl="" action="" tgtFrame="" tooltip="" history="1" highlightClick="0" endSnd="0"/>
+              </a:rPr>
+              <a:t>https://www.youtube.com/watch?v=w8fOEEMqpOw</a:t>
             </a:r>
           </a:p>
         </p:txBody>
